--- a/MSSQL.E05/MSSQL.E05.pptx
+++ b/MSSQL.E05/MSSQL.E05.pptx
@@ -59,8 +59,8 @@
     <p:sldId id="577" r:id="rId50"/>
     <p:sldId id="578" r:id="rId51"/>
     <p:sldId id="579" r:id="rId52"/>
-    <p:sldId id="635" r:id="rId53"/>
-    <p:sldId id="650" r:id="rId54"/>
+    <p:sldId id="650" r:id="rId53"/>
+    <p:sldId id="635" r:id="rId54"/>
     <p:sldId id="652" r:id="rId55"/>
   </p:sldIdLst>
   <p:sldSz cx="9144000" cy="5143500" type="screen16x9"/>
@@ -431,7 +431,7 @@
           <a:p>
             <a:fld id="{7F5E9BF7-95E4-A242-BA1D-05FDCF603BE6}" type="datetime1">
               <a:rPr lang="en-US" smtClean="0"/>
-              <a:t>9/26/2021</a:t>
+              <a:t>1/9/2022</a:t>
             </a:fld>
             <a:endParaRPr lang="en-US"/>
           </a:p>
@@ -597,7 +597,7 @@
           <a:p>
             <a:fld id="{165DBCB1-0306-AD41-9452-11E7C08D5C04}" type="datetime1">
               <a:rPr lang="en-US" smtClean="0"/>
-              <a:t>9/26/2021</a:t>
+              <a:t>1/9/2022</a:t>
             </a:fld>
             <a:endParaRPr lang="en-US"/>
           </a:p>
@@ -4818,7 +4818,7 @@
           <a:p>
             <a:fld id="{7AE90029-A909-AD4E-9775-A0D64990AD22}" type="slidenum">
               <a:rPr lang="en-US" smtClean="0"/>
-              <a:t>48</a:t>
+              <a:t>47</a:t>
             </a:fld>
             <a:endParaRPr lang="en-US"/>
           </a:p>
@@ -28551,7 +28551,7 @@
           <a:p>
             <a:r>
               <a:rPr lang="en-US" dirty="0"/>
-              <a:t>November 14, 2021</a:t>
+              <a:t>January 11, 2022</a:t>
             </a:r>
           </a:p>
         </p:txBody>
@@ -39876,6 +39876,296 @@
       </p:grpSpPr>
       <p:sp>
         <p:nvSpPr>
+          <p:cNvPr id="11" name="Content Placeholder 2"/>
+          <p:cNvSpPr txBox="1">
+            <a:spLocks/>
+          </p:cNvSpPr>
+          <p:nvPr/>
+        </p:nvSpPr>
+        <p:spPr>
+          <a:xfrm>
+            <a:off x="357187" y="1422400"/>
+            <a:ext cx="4103580" cy="3287972"/>
+          </a:xfrm>
+          <a:prstGeom prst="rect">
+            <a:avLst/>
+          </a:prstGeom>
+        </p:spPr>
+        <p:txBody>
+          <a:bodyPr/>
+          <a:lstStyle>
+            <a:lvl1pPr marL="257175" indent="-257175" algn="l" defTabSz="342900" rtl="0" eaLnBrk="1" latinLnBrk="0" hangingPunct="1">
+              <a:spcBef>
+                <a:spcPct val="20000"/>
+              </a:spcBef>
+              <a:buFont typeface="Arial"/>
+              <a:buChar char="•"/>
+              <a:defRPr sz="2400" kern="1200">
+                <a:solidFill>
+                  <a:schemeClr val="tx1"/>
+                </a:solidFill>
+                <a:latin typeface="+mn-lt"/>
+                <a:ea typeface="+mn-ea"/>
+                <a:cs typeface="+mn-cs"/>
+              </a:defRPr>
+            </a:lvl1pPr>
+            <a:lvl2pPr marL="557213" indent="-214313" algn="l" defTabSz="342900" rtl="0" eaLnBrk="1" latinLnBrk="0" hangingPunct="1">
+              <a:spcBef>
+                <a:spcPct val="20000"/>
+              </a:spcBef>
+              <a:buFont typeface="Arial"/>
+              <a:buChar char="–"/>
+              <a:defRPr sz="2100" kern="1200">
+                <a:solidFill>
+                  <a:schemeClr val="tx1"/>
+                </a:solidFill>
+                <a:latin typeface="+mn-lt"/>
+                <a:ea typeface="+mn-ea"/>
+                <a:cs typeface="+mn-cs"/>
+              </a:defRPr>
+            </a:lvl2pPr>
+            <a:lvl3pPr marL="857250" indent="-171450" algn="l" defTabSz="342900" rtl="0" eaLnBrk="1" latinLnBrk="0" hangingPunct="1">
+              <a:spcBef>
+                <a:spcPct val="20000"/>
+              </a:spcBef>
+              <a:buFont typeface="Arial"/>
+              <a:buChar char="•"/>
+              <a:defRPr sz="1800" kern="1200">
+                <a:solidFill>
+                  <a:schemeClr val="tx1"/>
+                </a:solidFill>
+                <a:latin typeface="+mn-lt"/>
+                <a:ea typeface="+mn-ea"/>
+                <a:cs typeface="+mn-cs"/>
+              </a:defRPr>
+            </a:lvl3pPr>
+            <a:lvl4pPr marL="1200150" indent="-171450" algn="l" defTabSz="342900" rtl="0" eaLnBrk="1" latinLnBrk="0" hangingPunct="1">
+              <a:spcBef>
+                <a:spcPct val="20000"/>
+              </a:spcBef>
+              <a:buFont typeface="Arial"/>
+              <a:buChar char="–"/>
+              <a:defRPr sz="1500" kern="1200">
+                <a:solidFill>
+                  <a:schemeClr val="tx1"/>
+                </a:solidFill>
+                <a:latin typeface="+mn-lt"/>
+                <a:ea typeface="+mn-ea"/>
+                <a:cs typeface="+mn-cs"/>
+              </a:defRPr>
+            </a:lvl4pPr>
+            <a:lvl5pPr marL="1543050" indent="-171450" algn="l" defTabSz="342900" rtl="0" eaLnBrk="1" latinLnBrk="0" hangingPunct="1">
+              <a:spcBef>
+                <a:spcPct val="20000"/>
+              </a:spcBef>
+              <a:buFont typeface="Arial"/>
+              <a:buChar char="»"/>
+              <a:defRPr sz="1500" kern="1200">
+                <a:solidFill>
+                  <a:schemeClr val="tx1"/>
+                </a:solidFill>
+                <a:latin typeface="+mn-lt"/>
+                <a:ea typeface="+mn-ea"/>
+                <a:cs typeface="+mn-cs"/>
+              </a:defRPr>
+            </a:lvl5pPr>
+            <a:lvl6pPr marL="1885950" indent="-171450" algn="l" defTabSz="342900" rtl="0" eaLnBrk="1" latinLnBrk="0" hangingPunct="1">
+              <a:spcBef>
+                <a:spcPct val="20000"/>
+              </a:spcBef>
+              <a:buFont typeface="Arial"/>
+              <a:buChar char="•"/>
+              <a:defRPr sz="1500" kern="1200">
+                <a:solidFill>
+                  <a:schemeClr val="tx1"/>
+                </a:solidFill>
+                <a:latin typeface="+mn-lt"/>
+                <a:ea typeface="+mn-ea"/>
+                <a:cs typeface="+mn-cs"/>
+              </a:defRPr>
+            </a:lvl6pPr>
+            <a:lvl7pPr marL="2228850" indent="-171450" algn="l" defTabSz="342900" rtl="0" eaLnBrk="1" latinLnBrk="0" hangingPunct="1">
+              <a:spcBef>
+                <a:spcPct val="20000"/>
+              </a:spcBef>
+              <a:buFont typeface="Arial"/>
+              <a:buChar char="•"/>
+              <a:defRPr sz="1500" kern="1200">
+                <a:solidFill>
+                  <a:schemeClr val="tx1"/>
+                </a:solidFill>
+                <a:latin typeface="+mn-lt"/>
+                <a:ea typeface="+mn-ea"/>
+                <a:cs typeface="+mn-cs"/>
+              </a:defRPr>
+            </a:lvl7pPr>
+            <a:lvl8pPr marL="2571750" indent="-171450" algn="l" defTabSz="342900" rtl="0" eaLnBrk="1" latinLnBrk="0" hangingPunct="1">
+              <a:spcBef>
+                <a:spcPct val="20000"/>
+              </a:spcBef>
+              <a:buFont typeface="Arial"/>
+              <a:buChar char="•"/>
+              <a:defRPr sz="1500" kern="1200">
+                <a:solidFill>
+                  <a:schemeClr val="tx1"/>
+                </a:solidFill>
+                <a:latin typeface="+mn-lt"/>
+                <a:ea typeface="+mn-ea"/>
+                <a:cs typeface="+mn-cs"/>
+              </a:defRPr>
+            </a:lvl8pPr>
+            <a:lvl9pPr marL="2914650" indent="-171450" algn="l" defTabSz="342900" rtl="0" eaLnBrk="1" latinLnBrk="0" hangingPunct="1">
+              <a:spcBef>
+                <a:spcPct val="20000"/>
+              </a:spcBef>
+              <a:buFont typeface="Arial"/>
+              <a:buChar char="•"/>
+              <a:defRPr sz="1500" kern="1200">
+                <a:solidFill>
+                  <a:schemeClr val="tx1"/>
+                </a:solidFill>
+                <a:latin typeface="+mn-lt"/>
+                <a:ea typeface="+mn-ea"/>
+                <a:cs typeface="+mn-cs"/>
+              </a:defRPr>
+            </a:lvl9pPr>
+          </a:lstStyle>
+          <a:p>
+            <a:pPr marL="173736" lvl="2" indent="-173736">
+              <a:lnSpc>
+                <a:spcPct val="110000"/>
+              </a:lnSpc>
+              <a:spcBef>
+                <a:spcPts val="0"/>
+              </a:spcBef>
+              <a:spcAft>
+                <a:spcPts val="1300"/>
+              </a:spcAft>
+              <a:buClr>
+                <a:srgbClr val="2FC2D9"/>
+              </a:buClr>
+              <a:defRPr/>
+            </a:pPr>
+            <a:r>
+              <a:rPr lang="en-US" sz="1600" dirty="0"/>
+              <a:t>Cross-database transactions</a:t>
+            </a:r>
+          </a:p>
+          <a:p>
+            <a:pPr marL="173736" lvl="2" indent="-173736">
+              <a:lnSpc>
+                <a:spcPct val="110000"/>
+              </a:lnSpc>
+              <a:spcBef>
+                <a:spcPts val="0"/>
+              </a:spcBef>
+              <a:spcAft>
+                <a:spcPts val="1300"/>
+              </a:spcAft>
+              <a:buClr>
+                <a:srgbClr val="2FC2D9"/>
+              </a:buClr>
+              <a:defRPr/>
+            </a:pPr>
+            <a:r>
+              <a:rPr lang="en-US" sz="1600" dirty="0"/>
+              <a:t>Distributed transactions</a:t>
+            </a:r>
+          </a:p>
+        </p:txBody>
+      </p:sp>
+      <p:sp>
+        <p:nvSpPr>
+          <p:cNvPr id="4" name="Title 3">
+            <a:extLst>
+              <a:ext uri="{FF2B5EF4-FFF2-40B4-BE49-F238E27FC236}">
+                <a16:creationId xmlns:a16="http://schemas.microsoft.com/office/drawing/2014/main" id="{94E6C56C-AF7C-4E4F-89DF-85188B32A45F}"/>
+              </a:ext>
+            </a:extLst>
+          </p:cNvPr>
+          <p:cNvSpPr>
+            <a:spLocks noGrp="1"/>
+          </p:cNvSpPr>
+          <p:nvPr>
+            <p:ph type="title"/>
+          </p:nvPr>
+        </p:nvSpPr>
+        <p:spPr/>
+        <p:txBody>
+          <a:bodyPr/>
+          <a:lstStyle/>
+          <a:p>
+            <a:r>
+              <a:rPr lang="en-US" sz="2000" dirty="0"/>
+              <a:t>Managing</a:t>
+            </a:r>
+            <a:r>
+              <a:rPr lang="en-US" dirty="0"/>
+              <a:t> Transactions</a:t>
+            </a:r>
+          </a:p>
+        </p:txBody>
+      </p:sp>
+      <p:sp>
+        <p:nvSpPr>
+          <p:cNvPr id="6" name="Text Placeholder 5">
+            <a:extLst>
+              <a:ext uri="{FF2B5EF4-FFF2-40B4-BE49-F238E27FC236}">
+                <a16:creationId xmlns:a16="http://schemas.microsoft.com/office/drawing/2014/main" id="{47B1CA27-626A-468B-91F1-A34CC8F11F6E}"/>
+              </a:ext>
+            </a:extLst>
+          </p:cNvPr>
+          <p:cNvSpPr>
+            <a:spLocks noGrp="1"/>
+          </p:cNvSpPr>
+          <p:nvPr>
+            <p:ph type="body" sz="quarter" idx="11"/>
+          </p:nvPr>
+        </p:nvSpPr>
+        <p:spPr/>
+        <p:txBody>
+          <a:bodyPr/>
+          <a:lstStyle/>
+          <a:p>
+            <a:r>
+              <a:rPr lang="en-US" dirty="0"/>
+              <a:t>Additional Transaction Options</a:t>
+            </a:r>
+          </a:p>
+        </p:txBody>
+      </p:sp>
+    </p:spTree>
+    <p:extLst>
+      <p:ext uri="{BB962C8B-B14F-4D97-AF65-F5344CB8AC3E}">
+        <p14:creationId xmlns:p14="http://schemas.microsoft.com/office/powerpoint/2010/main" val="3386449000"/>
+      </p:ext>
+    </p:extLst>
+  </p:cSld>
+  <p:clrMapOvr>
+    <a:masterClrMapping/>
+  </p:clrMapOvr>
+</p:sld>
+</file>
+
+<file path=ppt/slides/slide48.xml><?xml version="1.0" encoding="utf-8"?>
+<p:sld xmlns:a="http://schemas.openxmlformats.org/drawingml/2006/main" xmlns:r="http://schemas.openxmlformats.org/officeDocument/2006/relationships" xmlns:p="http://schemas.openxmlformats.org/presentationml/2006/main">
+  <p:cSld>
+    <p:spTree>
+      <p:nvGrpSpPr>
+        <p:cNvPr id="1" name=""/>
+        <p:cNvGrpSpPr/>
+        <p:nvPr/>
+      </p:nvGrpSpPr>
+      <p:grpSpPr>
+        <a:xfrm>
+          <a:off x="0" y="0"/>
+          <a:ext cx="0" cy="0"/>
+          <a:chOff x="0" y="0"/>
+          <a:chExt cx="0" cy="0"/>
+        </a:xfrm>
+      </p:grpSpPr>
+      <p:sp>
+        <p:nvSpPr>
           <p:cNvPr id="2" name="Title 1">
             <a:extLst>
               <a:ext uri="{FF2B5EF4-FFF2-40B4-BE49-F238E27FC236}">
@@ -39976,7 +40266,7 @@
                 <a:tabLst/>
                 <a:defRPr/>
               </a:pPr>
-              <a:t>47</a:t>
+              <a:t>48</a:t>
             </a:fld>
             <a:endParaRPr kumimoji="0" lang="en-US" sz="800" b="1" i="0" u="none" strike="noStrike" kern="1200" cap="none" spc="0" normalizeH="0" baseline="0" noProof="0" dirty="0">
               <a:ln>
@@ -40158,296 +40448,6 @@
     <p:extLst>
       <p:ext uri="{BB962C8B-B14F-4D97-AF65-F5344CB8AC3E}">
         <p14:creationId xmlns:p14="http://schemas.microsoft.com/office/powerpoint/2010/main" val="770766144"/>
-      </p:ext>
-    </p:extLst>
-  </p:cSld>
-  <p:clrMapOvr>
-    <a:masterClrMapping/>
-  </p:clrMapOvr>
-</p:sld>
-</file>
-
-<file path=ppt/slides/slide48.xml><?xml version="1.0" encoding="utf-8"?>
-<p:sld xmlns:a="http://schemas.openxmlformats.org/drawingml/2006/main" xmlns:r="http://schemas.openxmlformats.org/officeDocument/2006/relationships" xmlns:p="http://schemas.openxmlformats.org/presentationml/2006/main">
-  <p:cSld>
-    <p:spTree>
-      <p:nvGrpSpPr>
-        <p:cNvPr id="1" name=""/>
-        <p:cNvGrpSpPr/>
-        <p:nvPr/>
-      </p:nvGrpSpPr>
-      <p:grpSpPr>
-        <a:xfrm>
-          <a:off x="0" y="0"/>
-          <a:ext cx="0" cy="0"/>
-          <a:chOff x="0" y="0"/>
-          <a:chExt cx="0" cy="0"/>
-        </a:xfrm>
-      </p:grpSpPr>
-      <p:sp>
-        <p:nvSpPr>
-          <p:cNvPr id="11" name="Content Placeholder 2"/>
-          <p:cNvSpPr txBox="1">
-            <a:spLocks/>
-          </p:cNvSpPr>
-          <p:nvPr/>
-        </p:nvSpPr>
-        <p:spPr>
-          <a:xfrm>
-            <a:off x="357187" y="1422400"/>
-            <a:ext cx="4103580" cy="3287972"/>
-          </a:xfrm>
-          <a:prstGeom prst="rect">
-            <a:avLst/>
-          </a:prstGeom>
-        </p:spPr>
-        <p:txBody>
-          <a:bodyPr/>
-          <a:lstStyle>
-            <a:lvl1pPr marL="257175" indent="-257175" algn="l" defTabSz="342900" rtl="0" eaLnBrk="1" latinLnBrk="0" hangingPunct="1">
-              <a:spcBef>
-                <a:spcPct val="20000"/>
-              </a:spcBef>
-              <a:buFont typeface="Arial"/>
-              <a:buChar char="•"/>
-              <a:defRPr sz="2400" kern="1200">
-                <a:solidFill>
-                  <a:schemeClr val="tx1"/>
-                </a:solidFill>
-                <a:latin typeface="+mn-lt"/>
-                <a:ea typeface="+mn-ea"/>
-                <a:cs typeface="+mn-cs"/>
-              </a:defRPr>
-            </a:lvl1pPr>
-            <a:lvl2pPr marL="557213" indent="-214313" algn="l" defTabSz="342900" rtl="0" eaLnBrk="1" latinLnBrk="0" hangingPunct="1">
-              <a:spcBef>
-                <a:spcPct val="20000"/>
-              </a:spcBef>
-              <a:buFont typeface="Arial"/>
-              <a:buChar char="–"/>
-              <a:defRPr sz="2100" kern="1200">
-                <a:solidFill>
-                  <a:schemeClr val="tx1"/>
-                </a:solidFill>
-                <a:latin typeface="+mn-lt"/>
-                <a:ea typeface="+mn-ea"/>
-                <a:cs typeface="+mn-cs"/>
-              </a:defRPr>
-            </a:lvl2pPr>
-            <a:lvl3pPr marL="857250" indent="-171450" algn="l" defTabSz="342900" rtl="0" eaLnBrk="1" latinLnBrk="0" hangingPunct="1">
-              <a:spcBef>
-                <a:spcPct val="20000"/>
-              </a:spcBef>
-              <a:buFont typeface="Arial"/>
-              <a:buChar char="•"/>
-              <a:defRPr sz="1800" kern="1200">
-                <a:solidFill>
-                  <a:schemeClr val="tx1"/>
-                </a:solidFill>
-                <a:latin typeface="+mn-lt"/>
-                <a:ea typeface="+mn-ea"/>
-                <a:cs typeface="+mn-cs"/>
-              </a:defRPr>
-            </a:lvl3pPr>
-            <a:lvl4pPr marL="1200150" indent="-171450" algn="l" defTabSz="342900" rtl="0" eaLnBrk="1" latinLnBrk="0" hangingPunct="1">
-              <a:spcBef>
-                <a:spcPct val="20000"/>
-              </a:spcBef>
-              <a:buFont typeface="Arial"/>
-              <a:buChar char="–"/>
-              <a:defRPr sz="1500" kern="1200">
-                <a:solidFill>
-                  <a:schemeClr val="tx1"/>
-                </a:solidFill>
-                <a:latin typeface="+mn-lt"/>
-                <a:ea typeface="+mn-ea"/>
-                <a:cs typeface="+mn-cs"/>
-              </a:defRPr>
-            </a:lvl4pPr>
-            <a:lvl5pPr marL="1543050" indent="-171450" algn="l" defTabSz="342900" rtl="0" eaLnBrk="1" latinLnBrk="0" hangingPunct="1">
-              <a:spcBef>
-                <a:spcPct val="20000"/>
-              </a:spcBef>
-              <a:buFont typeface="Arial"/>
-              <a:buChar char="»"/>
-              <a:defRPr sz="1500" kern="1200">
-                <a:solidFill>
-                  <a:schemeClr val="tx1"/>
-                </a:solidFill>
-                <a:latin typeface="+mn-lt"/>
-                <a:ea typeface="+mn-ea"/>
-                <a:cs typeface="+mn-cs"/>
-              </a:defRPr>
-            </a:lvl5pPr>
-            <a:lvl6pPr marL="1885950" indent="-171450" algn="l" defTabSz="342900" rtl="0" eaLnBrk="1" latinLnBrk="0" hangingPunct="1">
-              <a:spcBef>
-                <a:spcPct val="20000"/>
-              </a:spcBef>
-              <a:buFont typeface="Arial"/>
-              <a:buChar char="•"/>
-              <a:defRPr sz="1500" kern="1200">
-                <a:solidFill>
-                  <a:schemeClr val="tx1"/>
-                </a:solidFill>
-                <a:latin typeface="+mn-lt"/>
-                <a:ea typeface="+mn-ea"/>
-                <a:cs typeface="+mn-cs"/>
-              </a:defRPr>
-            </a:lvl6pPr>
-            <a:lvl7pPr marL="2228850" indent="-171450" algn="l" defTabSz="342900" rtl="0" eaLnBrk="1" latinLnBrk="0" hangingPunct="1">
-              <a:spcBef>
-                <a:spcPct val="20000"/>
-              </a:spcBef>
-              <a:buFont typeface="Arial"/>
-              <a:buChar char="•"/>
-              <a:defRPr sz="1500" kern="1200">
-                <a:solidFill>
-                  <a:schemeClr val="tx1"/>
-                </a:solidFill>
-                <a:latin typeface="+mn-lt"/>
-                <a:ea typeface="+mn-ea"/>
-                <a:cs typeface="+mn-cs"/>
-              </a:defRPr>
-            </a:lvl7pPr>
-            <a:lvl8pPr marL="2571750" indent="-171450" algn="l" defTabSz="342900" rtl="0" eaLnBrk="1" latinLnBrk="0" hangingPunct="1">
-              <a:spcBef>
-                <a:spcPct val="20000"/>
-              </a:spcBef>
-              <a:buFont typeface="Arial"/>
-              <a:buChar char="•"/>
-              <a:defRPr sz="1500" kern="1200">
-                <a:solidFill>
-                  <a:schemeClr val="tx1"/>
-                </a:solidFill>
-                <a:latin typeface="+mn-lt"/>
-                <a:ea typeface="+mn-ea"/>
-                <a:cs typeface="+mn-cs"/>
-              </a:defRPr>
-            </a:lvl8pPr>
-            <a:lvl9pPr marL="2914650" indent="-171450" algn="l" defTabSz="342900" rtl="0" eaLnBrk="1" latinLnBrk="0" hangingPunct="1">
-              <a:spcBef>
-                <a:spcPct val="20000"/>
-              </a:spcBef>
-              <a:buFont typeface="Arial"/>
-              <a:buChar char="•"/>
-              <a:defRPr sz="1500" kern="1200">
-                <a:solidFill>
-                  <a:schemeClr val="tx1"/>
-                </a:solidFill>
-                <a:latin typeface="+mn-lt"/>
-                <a:ea typeface="+mn-ea"/>
-                <a:cs typeface="+mn-cs"/>
-              </a:defRPr>
-            </a:lvl9pPr>
-          </a:lstStyle>
-          <a:p>
-            <a:pPr marL="173736" lvl="2" indent="-173736">
-              <a:lnSpc>
-                <a:spcPct val="110000"/>
-              </a:lnSpc>
-              <a:spcBef>
-                <a:spcPts val="0"/>
-              </a:spcBef>
-              <a:spcAft>
-                <a:spcPts val="1300"/>
-              </a:spcAft>
-              <a:buClr>
-                <a:srgbClr val="2FC2D9"/>
-              </a:buClr>
-              <a:defRPr/>
-            </a:pPr>
-            <a:r>
-              <a:rPr lang="en-US" sz="1600" dirty="0"/>
-              <a:t>Cross-database transactions</a:t>
-            </a:r>
-          </a:p>
-          <a:p>
-            <a:pPr marL="173736" lvl="2" indent="-173736">
-              <a:lnSpc>
-                <a:spcPct val="110000"/>
-              </a:lnSpc>
-              <a:spcBef>
-                <a:spcPts val="0"/>
-              </a:spcBef>
-              <a:spcAft>
-                <a:spcPts val="1300"/>
-              </a:spcAft>
-              <a:buClr>
-                <a:srgbClr val="2FC2D9"/>
-              </a:buClr>
-              <a:defRPr/>
-            </a:pPr>
-            <a:r>
-              <a:rPr lang="en-US" sz="1600" dirty="0"/>
-              <a:t>Distributed transactions</a:t>
-            </a:r>
-          </a:p>
-        </p:txBody>
-      </p:sp>
-      <p:sp>
-        <p:nvSpPr>
-          <p:cNvPr id="4" name="Title 3">
-            <a:extLst>
-              <a:ext uri="{FF2B5EF4-FFF2-40B4-BE49-F238E27FC236}">
-                <a16:creationId xmlns:a16="http://schemas.microsoft.com/office/drawing/2014/main" id="{94E6C56C-AF7C-4E4F-89DF-85188B32A45F}"/>
-              </a:ext>
-            </a:extLst>
-          </p:cNvPr>
-          <p:cNvSpPr>
-            <a:spLocks noGrp="1"/>
-          </p:cNvSpPr>
-          <p:nvPr>
-            <p:ph type="title"/>
-          </p:nvPr>
-        </p:nvSpPr>
-        <p:spPr/>
-        <p:txBody>
-          <a:bodyPr/>
-          <a:lstStyle/>
-          <a:p>
-            <a:r>
-              <a:rPr lang="en-US" sz="2000" dirty="0"/>
-              <a:t>Managing</a:t>
-            </a:r>
-            <a:r>
-              <a:rPr lang="en-US" dirty="0"/>
-              <a:t> Transactions</a:t>
-            </a:r>
-          </a:p>
-        </p:txBody>
-      </p:sp>
-      <p:sp>
-        <p:nvSpPr>
-          <p:cNvPr id="6" name="Text Placeholder 5">
-            <a:extLst>
-              <a:ext uri="{FF2B5EF4-FFF2-40B4-BE49-F238E27FC236}">
-                <a16:creationId xmlns:a16="http://schemas.microsoft.com/office/drawing/2014/main" id="{47B1CA27-626A-468B-91F1-A34CC8F11F6E}"/>
-              </a:ext>
-            </a:extLst>
-          </p:cNvPr>
-          <p:cNvSpPr>
-            <a:spLocks noGrp="1"/>
-          </p:cNvSpPr>
-          <p:nvPr>
-            <p:ph type="body" sz="quarter" idx="11"/>
-          </p:nvPr>
-        </p:nvSpPr>
-        <p:spPr/>
-        <p:txBody>
-          <a:bodyPr/>
-          <a:lstStyle/>
-          <a:p>
-            <a:r>
-              <a:rPr lang="en-US" dirty="0"/>
-              <a:t>Additional Transaction Options</a:t>
-            </a:r>
-          </a:p>
-        </p:txBody>
-      </p:sp>
-    </p:spTree>
-    <p:extLst>
-      <p:ext uri="{BB962C8B-B14F-4D97-AF65-F5344CB8AC3E}">
-        <p14:creationId xmlns:p14="http://schemas.microsoft.com/office/powerpoint/2010/main" val="3386449000"/>
       </p:ext>
     </p:extLst>
   </p:cSld>
@@ -43582,6 +43582,15 @@
 </file>
 
 <file path=customXml/item1.xml><?xml version="1.0" encoding="utf-8"?>
+<?mso-contentType ?>
+<FormTemplates xmlns="http://schemas.microsoft.com/sharepoint/v3/contenttype/forms">
+  <Display>DocumentLibraryForm</Display>
+  <Edit>DocumentLibraryForm</Edit>
+  <New>DocumentLibraryForm</New>
+</FormTemplates>
+</file>
+
+<file path=customXml/item2.xml><?xml version="1.0" encoding="utf-8"?>
 <ct:contentTypeSchema xmlns:ct="http://schemas.microsoft.com/office/2006/metadata/contentType" xmlns:ma="http://schemas.microsoft.com/office/2006/metadata/properties/metaAttributes" ct:_="" ma:_="" ma:contentTypeName="Document" ma:contentTypeID="0x0101002F71A64D0A1A6140B6A122276D7E3196" ma:contentTypeVersion="2" ma:contentTypeDescription="Create a new document." ma:contentTypeScope="" ma:versionID="eb9d7e4f071135b1952b799147512b58">
   <xsd:schema xmlns:xsd="http://www.w3.org/2001/XMLSchema" xmlns:xs="http://www.w3.org/2001/XMLSchema" xmlns:p="http://schemas.microsoft.com/office/2006/metadata/properties" xmlns:ns2="14e46183-14a5-4343-a187-db51ef71da05" targetNamespace="http://schemas.microsoft.com/office/2006/metadata/properties" ma:root="true" ma:fieldsID="feccca8fb05b9d0c739dd1af05fd115a" ns2:_="">
     <xsd:import namespace="14e46183-14a5-4343-a187-db51ef71da05"/>
@@ -43713,22 +43722,21 @@
 </ct:contentTypeSchema>
 </file>
 
-<file path=customXml/item2.xml><?xml version="1.0" encoding="utf-8"?>
+<file path=customXml/item3.xml><?xml version="1.0" encoding="utf-8"?>
 <p:properties xmlns:p="http://schemas.microsoft.com/office/2006/metadata/properties" xmlns:xsi="http://www.w3.org/2001/XMLSchema-instance" xmlns:pc="http://schemas.microsoft.com/office/infopath/2007/PartnerControls">
   <documentManagement/>
 </p:properties>
 </file>
 
-<file path=customXml/item3.xml><?xml version="1.0" encoding="utf-8"?>
-<?mso-contentType ?>
-<FormTemplates xmlns="http://schemas.microsoft.com/sharepoint/v3/contenttype/forms">
-  <Display>DocumentLibraryForm</Display>
-  <Edit>DocumentLibraryForm</Edit>
-  <New>DocumentLibraryForm</New>
-</FormTemplates>
+<file path=customXml/itemProps1.xml><?xml version="1.0" encoding="utf-8"?>
+<ds:datastoreItem xmlns:ds="http://schemas.openxmlformats.org/officeDocument/2006/customXml" ds:itemID="{14883F0F-DE57-4ECA-B9BB-F22E8C5B5D82}">
+  <ds:schemaRefs>
+    <ds:schemaRef ds:uri="http://schemas.microsoft.com/sharepoint/v3/contenttype/forms"/>
+  </ds:schemaRefs>
+</ds:datastoreItem>
 </file>
 
-<file path=customXml/itemProps1.xml><?xml version="1.0" encoding="utf-8"?>
+<file path=customXml/itemProps2.xml><?xml version="1.0" encoding="utf-8"?>
 <ds:datastoreItem xmlns:ds="http://schemas.openxmlformats.org/officeDocument/2006/customXml" ds:itemID="{A512C3C4-CE09-4ADE-AF35-25E58CA316F3}">
   <ds:schemaRefs>
     <ds:schemaRef ds:uri="http://schemas.microsoft.com/office/2006/metadata/contentType"/>
@@ -43746,7 +43754,7 @@
 </ds:datastoreItem>
 </file>
 
-<file path=customXml/itemProps2.xml><?xml version="1.0" encoding="utf-8"?>
+<file path=customXml/itemProps3.xml><?xml version="1.0" encoding="utf-8"?>
 <ds:datastoreItem xmlns:ds="http://schemas.openxmlformats.org/officeDocument/2006/customXml" ds:itemID="{D5E3C081-4081-47AD-A9A6-9F18F525DA1D}">
   <ds:schemaRefs>
     <ds:schemaRef ds:uri="http://schemas.microsoft.com/office/2006/metadata/properties"/>
@@ -43760,12 +43768,4 @@
     <ds:schemaRef ds:uri="http://purl.org/dc/terms/"/>
   </ds:schemaRefs>
 </ds:datastoreItem>
-</file>
-
-<file path=customXml/itemProps3.xml><?xml version="1.0" encoding="utf-8"?>
-<ds:datastoreItem xmlns:ds="http://schemas.openxmlformats.org/officeDocument/2006/customXml" ds:itemID="{14883F0F-DE57-4ECA-B9BB-F22E8C5B5D82}">
-  <ds:schemaRefs>
-    <ds:schemaRef ds:uri="http://schemas.microsoft.com/sharepoint/v3/contenttype/forms"/>
-  </ds:schemaRefs>
-</ds:datastoreItem>
 </file>